--- a/document/第一次專題PPT-林東建.pptx
+++ b/document/第一次專題PPT-林東建.pptx
@@ -10,9 +10,7 @@
     <p:sldId id="259" r:id="rId4"/>
     <p:sldId id="260" r:id="rId5"/>
     <p:sldId id="261" r:id="rId6"/>
-    <p:sldId id="262" r:id="rId7"/>
-    <p:sldId id="263" r:id="rId8"/>
-    <p:sldId id="264" r:id="rId9"/>
+    <p:sldId id="263" r:id="rId7"/>
   </p:sldIdLst>
   <p:sldSz cx="9144000" cy="6858000" type="screen4x3"/>
   <p:notesSz cx="6858000" cy="9144000"/>
@@ -309,7 +307,7 @@
           <a:p>
             <a:fld id="{5BCAD085-E8A6-8845-BD4E-CB4CCA059FC4}" type="datetimeFigureOut">
               <a:rPr lang="en-US" smtClean="0"/>
-              <a:t>5/17/2024</a:t>
+              <a:t>5/24/2024</a:t>
             </a:fld>
             <a:endParaRPr lang="en-US"/>
           </a:p>
@@ -477,7 +475,7 @@
           <a:p>
             <a:fld id="{5BCAD085-E8A6-8845-BD4E-CB4CCA059FC4}" type="datetimeFigureOut">
               <a:rPr lang="en-US" smtClean="0"/>
-              <a:t>5/17/2024</a:t>
+              <a:t>5/24/2024</a:t>
             </a:fld>
             <a:endParaRPr lang="en-US"/>
           </a:p>
@@ -655,7 +653,7 @@
           <a:p>
             <a:fld id="{5BCAD085-E8A6-8845-BD4E-CB4CCA059FC4}" type="datetimeFigureOut">
               <a:rPr lang="en-US" smtClean="0"/>
-              <a:t>5/17/2024</a:t>
+              <a:t>5/24/2024</a:t>
             </a:fld>
             <a:endParaRPr lang="en-US"/>
           </a:p>
@@ -823,7 +821,7 @@
           <a:p>
             <a:fld id="{5BCAD085-E8A6-8845-BD4E-CB4CCA059FC4}" type="datetimeFigureOut">
               <a:rPr lang="en-US" smtClean="0"/>
-              <a:t>5/17/2024</a:t>
+              <a:t>5/24/2024</a:t>
             </a:fld>
             <a:endParaRPr lang="en-US"/>
           </a:p>
@@ -1068,7 +1066,7 @@
           <a:p>
             <a:fld id="{5BCAD085-E8A6-8845-BD4E-CB4CCA059FC4}" type="datetimeFigureOut">
               <a:rPr lang="en-US" smtClean="0"/>
-              <a:t>5/17/2024</a:t>
+              <a:t>5/24/2024</a:t>
             </a:fld>
             <a:endParaRPr lang="en-US"/>
           </a:p>
@@ -1353,7 +1351,7 @@
           <a:p>
             <a:fld id="{5BCAD085-E8A6-8845-BD4E-CB4CCA059FC4}" type="datetimeFigureOut">
               <a:rPr lang="en-US" smtClean="0"/>
-              <a:t>5/17/2024</a:t>
+              <a:t>5/24/2024</a:t>
             </a:fld>
             <a:endParaRPr lang="en-US"/>
           </a:p>
@@ -1772,7 +1770,7 @@
           <a:p>
             <a:fld id="{5BCAD085-E8A6-8845-BD4E-CB4CCA059FC4}" type="datetimeFigureOut">
               <a:rPr lang="en-US" smtClean="0"/>
-              <a:t>5/17/2024</a:t>
+              <a:t>5/24/2024</a:t>
             </a:fld>
             <a:endParaRPr lang="en-US"/>
           </a:p>
@@ -1889,7 +1887,7 @@
           <a:p>
             <a:fld id="{5BCAD085-E8A6-8845-BD4E-CB4CCA059FC4}" type="datetimeFigureOut">
               <a:rPr lang="en-US" smtClean="0"/>
-              <a:t>5/17/2024</a:t>
+              <a:t>5/24/2024</a:t>
             </a:fld>
             <a:endParaRPr lang="en-US"/>
           </a:p>
@@ -1984,7 +1982,7 @@
           <a:p>
             <a:fld id="{5BCAD085-E8A6-8845-BD4E-CB4CCA059FC4}" type="datetimeFigureOut">
               <a:rPr lang="en-US" smtClean="0"/>
-              <a:t>5/17/2024</a:t>
+              <a:t>5/24/2024</a:t>
             </a:fld>
             <a:endParaRPr lang="en-US"/>
           </a:p>
@@ -2259,7 +2257,7 @@
           <a:p>
             <a:fld id="{5BCAD085-E8A6-8845-BD4E-CB4CCA059FC4}" type="datetimeFigureOut">
               <a:rPr lang="en-US" smtClean="0"/>
-              <a:t>5/17/2024</a:t>
+              <a:t>5/24/2024</a:t>
             </a:fld>
             <a:endParaRPr lang="en-US"/>
           </a:p>
@@ -2511,7 +2509,7 @@
           <a:p>
             <a:fld id="{5BCAD085-E8A6-8845-BD4E-CB4CCA059FC4}" type="datetimeFigureOut">
               <a:rPr lang="en-US" smtClean="0"/>
-              <a:t>5/17/2024</a:t>
+              <a:t>5/24/2024</a:t>
             </a:fld>
             <a:endParaRPr lang="en-US"/>
           </a:p>
@@ -2722,7 +2720,7 @@
           <a:p>
             <a:fld id="{5BCAD085-E8A6-8845-BD4E-CB4CCA059FC4}" type="datetimeFigureOut">
               <a:rPr lang="en-US" smtClean="0"/>
-              <a:t>5/17/2024</a:t>
+              <a:t>5/24/2024</a:t>
             </a:fld>
             <a:endParaRPr lang="en-US"/>
           </a:p>
@@ -7781,248 +7779,74 @@
         </p:nvSpPr>
         <p:spPr/>
         <p:txBody>
-          <a:bodyPr/>
+          <a:bodyPr>
+            <a:normAutofit lnSpcReduction="10000"/>
+          </a:bodyPr>
           <a:lstStyle/>
           <a:p>
             <a:pPr marL="0" indent="0" algn="ctr">
               <a:buNone/>
             </a:pPr>
             <a:r>
-              <a:rPr lang="en-US" altLang="zh-TW" dirty="0"/>
+              <a:rPr lang="en-US" altLang="zh-TW" sz="3500" dirty="0"/>
               <a:t>LAMA-2</a:t>
             </a:r>
             <a:r>
-              <a:rPr lang="zh-TW" altLang="en-US" dirty="0"/>
-              <a:t>簡介</a:t>
-            </a:r>
-          </a:p>
-          <a:p>
-            <a:pPr>
-              <a:buFont typeface="Arial" panose="020B0604020202020204" pitchFamily="34" charset="0"/>
-              <a:buChar char="•"/>
-            </a:pPr>
-            <a:r>
-              <a:rPr lang="zh-TW" altLang="en-US" dirty="0"/>
-              <a:t>模型介紹：</a:t>
-            </a:r>
-            <a:r>
-              <a:rPr lang="en-US" altLang="zh-TW" dirty="0"/>
-              <a:t>LAMA-2</a:t>
-            </a:r>
-            <a:r>
-              <a:rPr lang="zh-TW" altLang="en-US" dirty="0"/>
-              <a:t>是一種基於變換器（</a:t>
-            </a:r>
-            <a:r>
-              <a:rPr lang="en-US" altLang="zh-TW" dirty="0"/>
-              <a:t>Transformer</a:t>
-            </a:r>
-            <a:r>
-              <a:rPr lang="zh-TW" altLang="en-US" dirty="0"/>
-              <a:t>）架構的開源語言模型，專為自然語言處理（</a:t>
-            </a:r>
-            <a:r>
-              <a:rPr lang="en-US" altLang="zh-TW" dirty="0"/>
-              <a:t>NLP</a:t>
-            </a:r>
-            <a:r>
-              <a:rPr lang="zh-TW" altLang="en-US" dirty="0"/>
-              <a:t>）任務設計。</a:t>
-            </a:r>
-          </a:p>
-          <a:p>
-            <a:pPr>
-              <a:buFont typeface="Arial" panose="020B0604020202020204" pitchFamily="34" charset="0"/>
-              <a:buChar char="•"/>
-            </a:pPr>
-            <a:r>
-              <a:rPr lang="zh-TW" altLang="en-US" dirty="0"/>
-              <a:t>應用範圍：適用於文本生成、文本分類、文本理解等多種</a:t>
-            </a:r>
-            <a:r>
-              <a:rPr lang="en-US" altLang="zh-TW" dirty="0"/>
-              <a:t>NLP</a:t>
-            </a:r>
-            <a:r>
-              <a:rPr lang="zh-TW" altLang="en-US" dirty="0"/>
-              <a:t>任務。</a:t>
-            </a:r>
-          </a:p>
-          <a:p>
-            <a:endParaRPr lang="zh-TW" altLang="en-US" dirty="0"/>
-          </a:p>
-        </p:txBody>
-      </p:sp>
-    </p:spTree>
-    <p:extLst>
-      <p:ext uri="{BB962C8B-B14F-4D97-AF65-F5344CB8AC3E}">
-        <p14:creationId xmlns:p14="http://schemas.microsoft.com/office/powerpoint/2010/main" val="2748187472"/>
-      </p:ext>
-    </p:extLst>
-  </p:cSld>
-  <p:clrMapOvr>
-    <a:masterClrMapping/>
-  </p:clrMapOvr>
-</p:sld>
-</file>
-
-<file path=ppt/slides/slide7.xml><?xml version="1.0" encoding="utf-8"?>
-<p:sld xmlns:a="http://schemas.openxmlformats.org/drawingml/2006/main" xmlns:r="http://schemas.openxmlformats.org/officeDocument/2006/relationships" xmlns:p="http://schemas.openxmlformats.org/presentationml/2006/main">
-  <p:cSld>
-    <p:spTree>
-      <p:nvGrpSpPr>
-        <p:cNvPr id="1" name=""/>
-        <p:cNvGrpSpPr/>
-        <p:nvPr/>
-      </p:nvGrpSpPr>
-      <p:grpSpPr>
-        <a:xfrm>
-          <a:off x="0" y="0"/>
-          <a:ext cx="0" cy="0"/>
-          <a:chOff x="0" y="0"/>
-          <a:chExt cx="0" cy="0"/>
-        </a:xfrm>
-      </p:grpSpPr>
-      <p:sp>
-        <p:nvSpPr>
-          <p:cNvPr id="2" name="標題 1">
-            <a:extLst>
-              <a:ext uri="{FF2B5EF4-FFF2-40B4-BE49-F238E27FC236}">
-                <a16:creationId xmlns:a16="http://schemas.microsoft.com/office/drawing/2014/main" id="{15F3FB82-CAAC-ACDA-D1F6-5B0BE880F5D3}"/>
-              </a:ext>
-            </a:extLst>
-          </p:cNvPr>
-          <p:cNvSpPr>
-            <a:spLocks noGrp="1"/>
-          </p:cNvSpPr>
-          <p:nvPr>
-            <p:ph type="title"/>
-          </p:nvPr>
-        </p:nvSpPr>
-        <p:spPr/>
-        <p:txBody>
-          <a:bodyPr/>
-          <a:lstStyle/>
-          <a:p>
-            <a:r>
-              <a:rPr lang="zh-TW" altLang="en-US" dirty="0"/>
-              <a:t>後端</a:t>
-            </a:r>
-            <a:r>
-              <a:rPr lang="en-US" altLang="zh-TW" dirty="0"/>
-              <a:t>AI-LAMA-2</a:t>
-            </a:r>
-            <a:endParaRPr lang="zh-TW" altLang="en-US" dirty="0"/>
-          </a:p>
-        </p:txBody>
-      </p:sp>
-      <p:sp>
-        <p:nvSpPr>
-          <p:cNvPr id="3" name="內容版面配置區 2">
-            <a:extLst>
-              <a:ext uri="{FF2B5EF4-FFF2-40B4-BE49-F238E27FC236}">
-                <a16:creationId xmlns:a16="http://schemas.microsoft.com/office/drawing/2014/main" id="{953B4D32-D26E-D20B-BC88-ACE4257D6ED9}"/>
-              </a:ext>
-            </a:extLst>
-          </p:cNvPr>
-          <p:cNvSpPr>
-            <a:spLocks noGrp="1"/>
-          </p:cNvSpPr>
-          <p:nvPr>
-            <p:ph idx="1"/>
-          </p:nvPr>
-        </p:nvSpPr>
-        <p:spPr/>
-        <p:txBody>
-          <a:bodyPr>
-            <a:normAutofit fontScale="85000" lnSpcReduction="20000"/>
-          </a:bodyPr>
-          <a:lstStyle/>
+              <a:rPr lang="zh-TW" altLang="en-US" sz="3500" dirty="0"/>
+              <a:t> 選擇原因</a:t>
+            </a:r>
+            <a:endParaRPr lang="en-US" altLang="zh-TW" sz="3500" dirty="0"/>
+          </a:p>
+          <a:p>
+            <a:r>
+              <a:rPr lang="zh-TW" altLang="en-US" sz="3100" dirty="0"/>
+              <a:t>本地架設</a:t>
+            </a:r>
+            <a:endParaRPr lang="en-US" altLang="zh-TW" sz="3100" dirty="0"/>
+          </a:p>
+          <a:p>
+            <a:r>
+              <a:rPr lang="zh-TW" altLang="en-US" sz="3100" dirty="0"/>
+              <a:t>可擴展性</a:t>
+            </a:r>
+            <a:endParaRPr lang="en-US" altLang="zh-TW" sz="3100" dirty="0"/>
+          </a:p>
+          <a:p>
+            <a:r>
+              <a:rPr lang="zh-TW" altLang="en-US" sz="3100" dirty="0"/>
+              <a:t>開源社區支持</a:t>
+            </a:r>
+            <a:endParaRPr lang="en-US" altLang="zh-TW" sz="3100" dirty="0"/>
+          </a:p>
           <a:p>
             <a:pPr marL="0" indent="0" algn="ctr">
               <a:buNone/>
             </a:pPr>
             <a:r>
-              <a:rPr lang="en-US" altLang="zh-TW" dirty="0"/>
+              <a:rPr lang="en-US" altLang="zh-TW" sz="3500" dirty="0"/>
               <a:t>LAMA-2</a:t>
             </a:r>
             <a:r>
-              <a:rPr lang="zh-TW" altLang="en-US"/>
+              <a:rPr lang="zh-TW" altLang="en-US" sz="3500" dirty="0"/>
               <a:t> 的預期應用</a:t>
             </a:r>
           </a:p>
           <a:p>
             <a:r>
-              <a:rPr lang="zh-TW" altLang="en-US" sz="3300"/>
-              <a:t>文件</a:t>
-            </a:r>
-            <a:r>
-              <a:rPr lang="zh-TW" altLang="en-US" sz="3300" dirty="0"/>
-              <a:t>重點摘出：</a:t>
-            </a:r>
-            <a:endParaRPr lang="en-US" altLang="zh-TW" sz="3300" dirty="0"/>
-          </a:p>
-          <a:p>
-            <a:pPr lvl="1"/>
-            <a:r>
-              <a:rPr lang="zh-TW" altLang="en-US" dirty="0"/>
-              <a:t>文本輸入：用戶上傳儒學經典文獻或學生的測驗答案。</a:t>
-            </a:r>
-            <a:endParaRPr lang="en-US" altLang="zh-TW" dirty="0"/>
-          </a:p>
-          <a:p>
-            <a:pPr lvl="1"/>
-            <a:r>
-              <a:rPr lang="zh-TW" altLang="en-US" dirty="0"/>
-              <a:t>模型分析：</a:t>
-            </a:r>
-            <a:r>
-              <a:rPr lang="en-US" altLang="zh-TW" dirty="0"/>
-              <a:t>LAMA-2</a:t>
-            </a:r>
-            <a:r>
-              <a:rPr lang="zh-TW" altLang="en-US" dirty="0"/>
-              <a:t>模型分析文本，提取關鍵句子和主題。</a:t>
-            </a:r>
-            <a:endParaRPr lang="en-US" altLang="zh-TW" dirty="0"/>
-          </a:p>
-          <a:p>
-            <a:pPr lvl="1"/>
-            <a:r>
-              <a:rPr lang="zh-TW" altLang="en-US" dirty="0"/>
-              <a:t>重點摘要：生成簡潔的重點摘要，幫助用戶快速了解文獻的核心內容。</a:t>
-            </a:r>
-            <a:endParaRPr lang="en-US" altLang="zh-TW" dirty="0"/>
-          </a:p>
-          <a:p>
-            <a:r>
-              <a:rPr lang="zh-TW" altLang="en-US" sz="3300" dirty="0"/>
-              <a:t>重點摘出後搜尋外部相關資訊：</a:t>
-            </a:r>
-            <a:endParaRPr lang="en-US" altLang="zh-TW" sz="3300" dirty="0"/>
-          </a:p>
-          <a:p>
-            <a:pPr lvl="1"/>
-            <a:r>
-              <a:rPr lang="zh-TW" altLang="en-US" dirty="0"/>
-              <a:t>摘要生成：在生成的重點摘要基礎上，利用關鍵詞進行擴展搜尋。</a:t>
-            </a:r>
-            <a:endParaRPr lang="en-US" altLang="zh-TW" dirty="0"/>
-          </a:p>
-          <a:p>
-            <a:pPr lvl="1"/>
-            <a:r>
-              <a:rPr lang="zh-TW" altLang="en-US" dirty="0"/>
-              <a:t>外部資料檢索：使用</a:t>
-            </a:r>
-            <a:r>
-              <a:rPr lang="en-US" altLang="zh-TW" dirty="0"/>
-              <a:t>API</a:t>
-            </a:r>
-            <a:r>
-              <a:rPr lang="zh-TW" altLang="en-US" dirty="0"/>
-              <a:t>或網絡爬蟲技術，從互聯網上獲取相關的擴展資訊，進一步補充文獻內容。</a:t>
-            </a:r>
+              <a:rPr lang="zh-TW" altLang="en-US" sz="3100" dirty="0"/>
+              <a:t>文件重點摘出</a:t>
+            </a:r>
+            <a:endParaRPr lang="en-US" altLang="zh-TW" sz="3100" dirty="0"/>
+          </a:p>
+          <a:p>
+            <a:r>
+              <a:rPr lang="zh-TW" altLang="en-US" sz="3100" dirty="0"/>
+              <a:t>搜尋外部相關資訊</a:t>
+            </a:r>
+            <a:br>
+              <a:rPr lang="en-US" altLang="zh-TW" sz="3300" dirty="0"/>
+            </a:br>
+            <a:endParaRPr lang="zh-TW" altLang="en-US" dirty="0"/>
           </a:p>
         </p:txBody>
       </p:sp>
@@ -8030,164 +7854,6 @@
     <p:extLst>
       <p:ext uri="{BB962C8B-B14F-4D97-AF65-F5344CB8AC3E}">
         <p14:creationId xmlns:p14="http://schemas.microsoft.com/office/powerpoint/2010/main" val="2567075002"/>
-      </p:ext>
-    </p:extLst>
-  </p:cSld>
-  <p:clrMapOvr>
-    <a:masterClrMapping/>
-  </p:clrMapOvr>
-</p:sld>
-</file>
-
-<file path=ppt/slides/slide8.xml><?xml version="1.0" encoding="utf-8"?>
-<p:sld xmlns:a="http://schemas.openxmlformats.org/drawingml/2006/main" xmlns:r="http://schemas.openxmlformats.org/officeDocument/2006/relationships" xmlns:p="http://schemas.openxmlformats.org/presentationml/2006/main">
-  <p:cSld>
-    <p:spTree>
-      <p:nvGrpSpPr>
-        <p:cNvPr id="1" name=""/>
-        <p:cNvGrpSpPr/>
-        <p:nvPr/>
-      </p:nvGrpSpPr>
-      <p:grpSpPr>
-        <a:xfrm>
-          <a:off x="0" y="0"/>
-          <a:ext cx="0" cy="0"/>
-          <a:chOff x="0" y="0"/>
-          <a:chExt cx="0" cy="0"/>
-        </a:xfrm>
-      </p:grpSpPr>
-      <p:sp>
-        <p:nvSpPr>
-          <p:cNvPr id="2" name="標題 1">
-            <a:extLst>
-              <a:ext uri="{FF2B5EF4-FFF2-40B4-BE49-F238E27FC236}">
-                <a16:creationId xmlns:a16="http://schemas.microsoft.com/office/drawing/2014/main" id="{15F3FB82-CAAC-ACDA-D1F6-5B0BE880F5D3}"/>
-              </a:ext>
-            </a:extLst>
-          </p:cNvPr>
-          <p:cNvSpPr>
-            <a:spLocks noGrp="1"/>
-          </p:cNvSpPr>
-          <p:nvPr>
-            <p:ph type="title"/>
-          </p:nvPr>
-        </p:nvSpPr>
-        <p:spPr/>
-        <p:txBody>
-          <a:bodyPr/>
-          <a:lstStyle/>
-          <a:p>
-            <a:r>
-              <a:rPr lang="zh-TW" altLang="en-US" dirty="0"/>
-              <a:t>後端</a:t>
-            </a:r>
-            <a:r>
-              <a:rPr lang="en-US" altLang="zh-TW" dirty="0"/>
-              <a:t>AI-LAMA-2</a:t>
-            </a:r>
-            <a:endParaRPr lang="zh-TW" altLang="en-US" dirty="0"/>
-          </a:p>
-        </p:txBody>
-      </p:sp>
-      <p:sp>
-        <p:nvSpPr>
-          <p:cNvPr id="3" name="內容版面配置區 2">
-            <a:extLst>
-              <a:ext uri="{FF2B5EF4-FFF2-40B4-BE49-F238E27FC236}">
-                <a16:creationId xmlns:a16="http://schemas.microsoft.com/office/drawing/2014/main" id="{953B4D32-D26E-D20B-BC88-ACE4257D6ED9}"/>
-              </a:ext>
-            </a:extLst>
-          </p:cNvPr>
-          <p:cNvSpPr>
-            <a:spLocks noGrp="1"/>
-          </p:cNvSpPr>
-          <p:nvPr>
-            <p:ph idx="1"/>
-          </p:nvPr>
-        </p:nvSpPr>
-        <p:spPr/>
-        <p:txBody>
-          <a:bodyPr>
-            <a:normAutofit/>
-          </a:bodyPr>
-          <a:lstStyle/>
-          <a:p>
-            <a:pPr marL="0" indent="0" algn="ctr">
-              <a:buNone/>
-            </a:pPr>
-            <a:r>
-              <a:rPr lang="en-US" altLang="zh-TW" dirty="0"/>
-              <a:t>LAMA-2</a:t>
-            </a:r>
-            <a:r>
-              <a:rPr lang="zh-TW" altLang="en-US" dirty="0"/>
-              <a:t>技術優勢</a:t>
-            </a:r>
-          </a:p>
-          <a:p>
-            <a:pPr>
-              <a:buFont typeface="Arial" panose="020B0604020202020204" pitchFamily="34" charset="0"/>
-              <a:buChar char="•"/>
-            </a:pPr>
-            <a:r>
-              <a:rPr lang="zh-TW" altLang="en-US" sz="2000" b="1" dirty="0"/>
-              <a:t>高效處理</a:t>
-            </a:r>
-            <a:r>
-              <a:rPr lang="zh-TW" altLang="en-US" sz="2000" dirty="0"/>
-              <a:t>：</a:t>
-            </a:r>
-            <a:r>
-              <a:rPr lang="en-US" altLang="zh-TW" sz="2000" dirty="0"/>
-              <a:t>LAMA-2</a:t>
-            </a:r>
-            <a:r>
-              <a:rPr lang="zh-TW" altLang="en-US" sz="2000" dirty="0"/>
-              <a:t>能夠高效處理大量文本數據，並提供準確的分析結果。</a:t>
-            </a:r>
-          </a:p>
-          <a:p>
-            <a:pPr>
-              <a:buFont typeface="Arial" panose="020B0604020202020204" pitchFamily="34" charset="0"/>
-              <a:buChar char="•"/>
-            </a:pPr>
-            <a:r>
-              <a:rPr lang="zh-TW" altLang="en-US" sz="2000" b="1" dirty="0"/>
-              <a:t>可擴展性</a:t>
-            </a:r>
-            <a:r>
-              <a:rPr lang="zh-TW" altLang="en-US" sz="2000" dirty="0"/>
-              <a:t>：模型可以根據具體需求進行調整和擴展，以適應不同的應用場景。</a:t>
-            </a:r>
-          </a:p>
-          <a:p>
-            <a:pPr>
-              <a:buFont typeface="Arial" panose="020B0604020202020204" pitchFamily="34" charset="0"/>
-              <a:buChar char="•"/>
-            </a:pPr>
-            <a:r>
-              <a:rPr lang="zh-TW" altLang="en-US" sz="2000" b="1" dirty="0"/>
-              <a:t>開源社區支持</a:t>
-            </a:r>
-            <a:r>
-              <a:rPr lang="zh-TW" altLang="en-US" sz="2000" dirty="0"/>
-              <a:t>：</a:t>
-            </a:r>
-            <a:r>
-              <a:rPr lang="en-US" altLang="zh-TW" sz="2000" dirty="0"/>
-              <a:t>LAMA-2</a:t>
-            </a:r>
-            <a:r>
-              <a:rPr lang="zh-TW" altLang="en-US" sz="2000" dirty="0"/>
-              <a:t>由活躍的開源社區維護，擁有豐富的資源和工具支持。</a:t>
-            </a:r>
-          </a:p>
-        </p:txBody>
-      </p:sp>
-    </p:spTree>
-    <p:extLst>
-      <p:ext uri="{BB962C8B-B14F-4D97-AF65-F5344CB8AC3E}">
-        <p14:creationId xmlns:p14="http://schemas.microsoft.com/office/powerpoint/2010/main" val="2801365409"/>
       </p:ext>
     </p:extLst>
   </p:cSld>
